--- a/第四讲/系统集成与初赛环境使用.pptx
+++ b/第四讲/系统集成与初赛环境使用.pptx
@@ -253,7 +253,7 @@
           <a:p>
             <a:fld id="{F1AD6FC6-EA67-4F41-A84A-3713D2A38186}" type="datetimeFigureOut">
               <a:rPr lang="zh-CN" altLang="en-US" smtClean="0"/>
-              <a:t>2021/10/22</a:t>
+              <a:t>2021/12/20</a:t>
             </a:fld>
             <a:endParaRPr lang="zh-CN" altLang="en-US"/>
           </a:p>
@@ -418,7 +418,7 @@
           <a:p>
             <a:fld id="{34ABD739-C410-4BBA-B985-F85A0DB96196}" type="datetimeFigureOut">
               <a:rPr lang="zh-CN" altLang="en-US" smtClean="0"/>
-              <a:t>2021/10/22</a:t>
+              <a:t>2021/12/20</a:t>
             </a:fld>
             <a:endParaRPr lang="zh-CN" altLang="en-US"/>
           </a:p>
@@ -2383,7 +2383,7 @@
           <a:p>
             <a:fld id="{DE400F2E-4FD5-4A1E-9CA8-6E07AB261D37}" type="datetimeFigureOut">
               <a:rPr lang="zh-CN" altLang="en-US" smtClean="0"/>
-              <a:t>2021/10/22</a:t>
+              <a:t>2021/12/20</a:t>
             </a:fld>
             <a:endParaRPr lang="zh-CN" altLang="en-US"/>
           </a:p>
@@ -2671,7 +2671,7 @@
           <a:p>
             <a:fld id="{DE400F2E-4FD5-4A1E-9CA8-6E07AB261D37}" type="datetimeFigureOut">
               <a:rPr lang="zh-CN" altLang="en-US" smtClean="0"/>
-              <a:t>2021/10/22</a:t>
+              <a:t>2021/12/20</a:t>
             </a:fld>
             <a:endParaRPr lang="zh-CN" altLang="en-US"/>
           </a:p>
@@ -2869,7 +2869,7 @@
           <a:p>
             <a:fld id="{DE400F2E-4FD5-4A1E-9CA8-6E07AB261D37}" type="datetimeFigureOut">
               <a:rPr lang="zh-CN" altLang="en-US" smtClean="0"/>
-              <a:t>2021/10/22</a:t>
+              <a:t>2021/12/20</a:t>
             </a:fld>
             <a:endParaRPr lang="zh-CN" altLang="en-US"/>
           </a:p>
@@ -3077,7 +3077,7 @@
           <a:p>
             <a:fld id="{DE400F2E-4FD5-4A1E-9CA8-6E07AB261D37}" type="datetimeFigureOut">
               <a:rPr lang="zh-CN" altLang="en-US" smtClean="0"/>
-              <a:t>2021/10/22</a:t>
+              <a:t>2021/12/20</a:t>
             </a:fld>
             <a:endParaRPr lang="zh-CN" altLang="en-US"/>
           </a:p>
@@ -3462,7 +3462,7 @@
           <a:p>
             <a:fld id="{DE400F2E-4FD5-4A1E-9CA8-6E07AB261D37}" type="datetimeFigureOut">
               <a:rPr lang="zh-CN" altLang="en-US" smtClean="0"/>
-              <a:t>2021/10/22</a:t>
+              <a:t>2021/12/20</a:t>
             </a:fld>
             <a:endParaRPr lang="zh-CN" altLang="en-US"/>
           </a:p>
@@ -3660,7 +3660,7 @@
           <a:p>
             <a:fld id="{DE400F2E-4FD5-4A1E-9CA8-6E07AB261D37}" type="datetimeFigureOut">
               <a:rPr lang="zh-CN" altLang="en-US" smtClean="0"/>
-              <a:t>2021/10/22</a:t>
+              <a:t>2021/12/20</a:t>
             </a:fld>
             <a:endParaRPr lang="zh-CN" altLang="en-US"/>
           </a:p>
@@ -3935,7 +3935,7 @@
           <a:p>
             <a:fld id="{DE400F2E-4FD5-4A1E-9CA8-6E07AB261D37}" type="datetimeFigureOut">
               <a:rPr lang="zh-CN" altLang="en-US" smtClean="0"/>
-              <a:t>2021/10/22</a:t>
+              <a:t>2021/12/20</a:t>
             </a:fld>
             <a:endParaRPr lang="zh-CN" altLang="en-US"/>
           </a:p>
@@ -4200,7 +4200,7 @@
           <a:p>
             <a:fld id="{DE400F2E-4FD5-4A1E-9CA8-6E07AB261D37}" type="datetimeFigureOut">
               <a:rPr lang="zh-CN" altLang="en-US" smtClean="0"/>
-              <a:t>2021/10/22</a:t>
+              <a:t>2021/12/20</a:t>
             </a:fld>
             <a:endParaRPr lang="zh-CN" altLang="en-US"/>
           </a:p>
@@ -4612,7 +4612,7 @@
           <a:p>
             <a:fld id="{DE400F2E-4FD5-4A1E-9CA8-6E07AB261D37}" type="datetimeFigureOut">
               <a:rPr lang="zh-CN" altLang="en-US" smtClean="0"/>
-              <a:t>2021/10/22</a:t>
+              <a:t>2021/12/20</a:t>
             </a:fld>
             <a:endParaRPr lang="zh-CN" altLang="en-US"/>
           </a:p>
@@ -4753,7 +4753,7 @@
           <a:p>
             <a:fld id="{DE400F2E-4FD5-4A1E-9CA8-6E07AB261D37}" type="datetimeFigureOut">
               <a:rPr lang="zh-CN" altLang="en-US" smtClean="0"/>
-              <a:t>2021/10/22</a:t>
+              <a:t>2021/12/20</a:t>
             </a:fld>
             <a:endParaRPr lang="zh-CN" altLang="en-US"/>
           </a:p>
@@ -4866,7 +4866,7 @@
           <a:p>
             <a:fld id="{DE400F2E-4FD5-4A1E-9CA8-6E07AB261D37}" type="datetimeFigureOut">
               <a:rPr lang="zh-CN" altLang="en-US" smtClean="0"/>
-              <a:t>2021/10/22</a:t>
+              <a:t>2021/12/20</a:t>
             </a:fld>
             <a:endParaRPr lang="zh-CN" altLang="en-US"/>
           </a:p>
@@ -6186,7 +6186,7 @@
           <a:p>
             <a:fld id="{DE400F2E-4FD5-4A1E-9CA8-6E07AB261D37}" type="datetimeFigureOut">
               <a:rPr lang="zh-CN" altLang="en-US" smtClean="0"/>
-              <a:t>2021/10/22</a:t>
+              <a:t>2021/12/20</a:t>
             </a:fld>
             <a:endParaRPr lang="zh-CN" altLang="en-US"/>
           </a:p>
@@ -6767,14 +6767,6 @@
           <a:bodyPr/>
           <a:lstStyle/>
           <a:p>
-            <a:r>
-              <a:rPr lang="zh-CN" altLang="en-US" dirty="0">
-                <a:latin typeface="Times New Roman" panose="02020603050405020304" pitchFamily="18" charset="0"/>
-                <a:ea typeface="楷体" panose="02010609060101010101" pitchFamily="49" charset="-122"/>
-                <a:cs typeface="Times New Roman" panose="02020603050405020304" pitchFamily="18" charset="0"/>
-              </a:rPr>
-              <a:t>陈华聪</a:t>
-            </a:r>
             <a:endParaRPr lang="en-US" altLang="zh-CN" dirty="0">
               <a:latin typeface="Times New Roman" panose="02020603050405020304" pitchFamily="18" charset="0"/>
               <a:ea typeface="楷体" panose="02010609060101010101" pitchFamily="49" charset="-122"/>
@@ -6782,13 +6774,28 @@
             </a:endParaRPr>
           </a:p>
           <a:p>
+            <a:endParaRPr lang="en-US" altLang="zh-CN">
+              <a:latin typeface="Times New Roman" panose="02020603050405020304" pitchFamily="18" charset="0"/>
+              <a:ea typeface="楷体" panose="02010609060101010101" pitchFamily="49" charset="-122"/>
+              <a:cs typeface="Times New Roman" panose="02020603050405020304" pitchFamily="18" charset="0"/>
+            </a:endParaRPr>
+          </a:p>
+          <a:p>
+            <a:r>
+              <a:rPr lang="zh-CN" altLang="en-US">
+                <a:latin typeface="Times New Roman" panose="02020603050405020304" pitchFamily="18" charset="0"/>
+                <a:ea typeface="楷体" panose="02010609060101010101" pitchFamily="49" charset="-122"/>
+                <a:cs typeface="Times New Roman" panose="02020603050405020304" pitchFamily="18" charset="0"/>
+              </a:rPr>
+              <a:t>时间</a:t>
+            </a:r>
             <a:r>
               <a:rPr lang="zh-CN" altLang="en-US" dirty="0">
                 <a:latin typeface="Times New Roman" panose="02020603050405020304" pitchFamily="18" charset="0"/>
                 <a:ea typeface="楷体" panose="02010609060101010101" pitchFamily="49" charset="-122"/>
                 <a:cs typeface="Times New Roman" panose="02020603050405020304" pitchFamily="18" charset="0"/>
               </a:rPr>
-              <a:t>联系方式</a:t>
+              <a:t>：</a:t>
             </a:r>
             <a:r>
               <a:rPr lang="en-US" altLang="zh-CN" dirty="0">
@@ -6796,17 +6803,15 @@
                 <a:ea typeface="楷体" panose="02010609060101010101" pitchFamily="49" charset="-122"/>
                 <a:cs typeface="Times New Roman" panose="02020603050405020304" pitchFamily="18" charset="0"/>
               </a:rPr>
-              <a:t>: chenhc21@mails.tsinghua.edu.cn</a:t>
-            </a:r>
-          </a:p>
-          <a:p>
+              <a:t>2021</a:t>
+            </a:r>
             <a:r>
               <a:rPr lang="zh-CN" altLang="en-US" dirty="0">
                 <a:latin typeface="Times New Roman" panose="02020603050405020304" pitchFamily="18" charset="0"/>
                 <a:ea typeface="楷体" panose="02010609060101010101" pitchFamily="49" charset="-122"/>
                 <a:cs typeface="Times New Roman" panose="02020603050405020304" pitchFamily="18" charset="0"/>
               </a:rPr>
-              <a:t>时间：</a:t>
+              <a:t>年</a:t>
             </a:r>
             <a:r>
               <a:rPr lang="en-US" altLang="zh-CN" dirty="0">
@@ -6814,7 +6819,7 @@
                 <a:ea typeface="楷体" panose="02010609060101010101" pitchFamily="49" charset="-122"/>
                 <a:cs typeface="Times New Roman" panose="02020603050405020304" pitchFamily="18" charset="0"/>
               </a:rPr>
-              <a:t>2021</a:t>
+              <a:t>10</a:t>
             </a:r>
             <a:r>
               <a:rPr lang="zh-CN" altLang="en-US" dirty="0">
@@ -6822,7 +6827,7 @@
                 <a:ea typeface="楷体" panose="02010609060101010101" pitchFamily="49" charset="-122"/>
                 <a:cs typeface="Times New Roman" panose="02020603050405020304" pitchFamily="18" charset="0"/>
               </a:rPr>
-              <a:t>年</a:t>
+              <a:t>月</a:t>
             </a:r>
             <a:r>
               <a:rPr lang="en-US" altLang="zh-CN" dirty="0">
@@ -6830,26 +6835,10 @@
                 <a:ea typeface="楷体" panose="02010609060101010101" pitchFamily="49" charset="-122"/>
                 <a:cs typeface="Times New Roman" panose="02020603050405020304" pitchFamily="18" charset="0"/>
               </a:rPr>
-              <a:t>10</a:t>
+              <a:t>23</a:t>
             </a:r>
             <a:r>
               <a:rPr lang="zh-CN" altLang="en-US" dirty="0">
-                <a:latin typeface="Times New Roman" panose="02020603050405020304" pitchFamily="18" charset="0"/>
-                <a:ea typeface="楷体" panose="02010609060101010101" pitchFamily="49" charset="-122"/>
-                <a:cs typeface="Times New Roman" panose="02020603050405020304" pitchFamily="18" charset="0"/>
-              </a:rPr>
-              <a:t>月</a:t>
-            </a:r>
-            <a:r>
-              <a:rPr lang="en-US" altLang="zh-CN" dirty="0">
-                <a:latin typeface="Times New Roman" panose="02020603050405020304" pitchFamily="18" charset="0"/>
-                <a:ea typeface="楷体" panose="02010609060101010101" pitchFamily="49" charset="-122"/>
-                <a:cs typeface="Times New Roman" panose="02020603050405020304" pitchFamily="18" charset="0"/>
-              </a:rPr>
-              <a:t>23</a:t>
-            </a:r>
-            <a:r>
-              <a:rPr lang="zh-CN" altLang="en-US">
                 <a:latin typeface="Times New Roman" panose="02020603050405020304" pitchFamily="18" charset="0"/>
                 <a:ea typeface="楷体" panose="02010609060101010101" pitchFamily="49" charset="-122"/>
                 <a:cs typeface="Times New Roman" panose="02020603050405020304" pitchFamily="18" charset="0"/>
